--- a/2021년 7월 17일 도면해석자동화.pptx
+++ b/2021년 7월 17일 도면해석자동화.pptx
@@ -119,7 +119,7 @@
   </p:defaultTextStyle>
   <p:extLst>
     <p:ext uri="{EFAFB233-063F-42B5-8137-9DF3F51BA10A}">
-      <p15:sldGuideLst xmlns="" xmlns:p15="http://schemas.microsoft.com/office/powerpoint/2012/main">
+      <p15:sldGuideLst xmlns:p15="http://schemas.microsoft.com/office/powerpoint/2012/main" xmlns="">
         <p15:guide id="1" orient="horz" pos="2183" userDrawn="1">
           <p15:clr>
             <a:srgbClr val="A4A3A4"/>
@@ -219,7 +219,7 @@
             <a:fld id="{6A362C80-AE36-4E76-B3A2-B93715BD75DF}" type="datetimeFigureOut">
               <a:rPr lang="ko-KR" altLang="en-US" smtClean="0"/>
               <a:pPr/>
-              <a:t>2021-07-16</a:t>
+              <a:t>2021-07-17</a:t>
             </a:fld>
             <a:endParaRPr lang="ko-KR" altLang="en-US"/>
           </a:p>
@@ -615,7 +615,7 @@
             <a:fld id="{3AC7D0C1-D5FE-48CB-AEB6-E9E3D1C2E343}" type="datetimeFigureOut">
               <a:rPr lang="ko-KR" altLang="en-US" smtClean="0"/>
               <a:pPr/>
-              <a:t>2021-07-16</a:t>
+              <a:t>2021-07-17</a:t>
             </a:fld>
             <a:endParaRPr lang="ko-KR" altLang="en-US"/>
           </a:p>
@@ -667,7 +667,7 @@
     </p:spTree>
     <p:extLst>
       <p:ext uri="{BB962C8B-B14F-4D97-AF65-F5344CB8AC3E}">
-        <p14:creationId xmlns="" xmlns:p14="http://schemas.microsoft.com/office/powerpoint/2010/main" val="1823638458"/>
+        <p14:creationId xmlns:p14="http://schemas.microsoft.com/office/powerpoint/2010/main" xmlns="" val="1823638458"/>
       </p:ext>
     </p:extLst>
   </p:cSld>
@@ -785,7 +785,7 @@
             <a:fld id="{3AC7D0C1-D5FE-48CB-AEB6-E9E3D1C2E343}" type="datetimeFigureOut">
               <a:rPr lang="ko-KR" altLang="en-US" smtClean="0"/>
               <a:pPr/>
-              <a:t>2021-07-16</a:t>
+              <a:t>2021-07-17</a:t>
             </a:fld>
             <a:endParaRPr lang="ko-KR" altLang="en-US"/>
           </a:p>
@@ -837,7 +837,7 @@
     </p:spTree>
     <p:extLst>
       <p:ext uri="{BB962C8B-B14F-4D97-AF65-F5344CB8AC3E}">
-        <p14:creationId xmlns="" xmlns:p14="http://schemas.microsoft.com/office/powerpoint/2010/main" val="1781722897"/>
+        <p14:creationId xmlns:p14="http://schemas.microsoft.com/office/powerpoint/2010/main" xmlns="" val="1781722897"/>
       </p:ext>
     </p:extLst>
   </p:cSld>
@@ -965,7 +965,7 @@
             <a:fld id="{3AC7D0C1-D5FE-48CB-AEB6-E9E3D1C2E343}" type="datetimeFigureOut">
               <a:rPr lang="ko-KR" altLang="en-US" smtClean="0"/>
               <a:pPr/>
-              <a:t>2021-07-16</a:t>
+              <a:t>2021-07-17</a:t>
             </a:fld>
             <a:endParaRPr lang="ko-KR" altLang="en-US"/>
           </a:p>
@@ -1017,7 +1017,7 @@
     </p:spTree>
     <p:extLst>
       <p:ext uri="{BB962C8B-B14F-4D97-AF65-F5344CB8AC3E}">
-        <p14:creationId xmlns="" xmlns:p14="http://schemas.microsoft.com/office/powerpoint/2010/main" val="1329840432"/>
+        <p14:creationId xmlns:p14="http://schemas.microsoft.com/office/powerpoint/2010/main" xmlns="" val="1329840432"/>
       </p:ext>
     </p:extLst>
   </p:cSld>
@@ -1135,7 +1135,7 @@
             <a:fld id="{3AC7D0C1-D5FE-48CB-AEB6-E9E3D1C2E343}" type="datetimeFigureOut">
               <a:rPr lang="ko-KR" altLang="en-US" smtClean="0"/>
               <a:pPr/>
-              <a:t>2021-07-16</a:t>
+              <a:t>2021-07-17</a:t>
             </a:fld>
             <a:endParaRPr lang="ko-KR" altLang="en-US"/>
           </a:p>
@@ -1187,7 +1187,7 @@
     </p:spTree>
     <p:extLst>
       <p:ext uri="{BB962C8B-B14F-4D97-AF65-F5344CB8AC3E}">
-        <p14:creationId xmlns="" xmlns:p14="http://schemas.microsoft.com/office/powerpoint/2010/main" val="1416330142"/>
+        <p14:creationId xmlns:p14="http://schemas.microsoft.com/office/powerpoint/2010/main" xmlns="" val="1416330142"/>
       </p:ext>
     </p:extLst>
   </p:cSld>
@@ -1382,7 +1382,7 @@
             <a:fld id="{3AC7D0C1-D5FE-48CB-AEB6-E9E3D1C2E343}" type="datetimeFigureOut">
               <a:rPr lang="ko-KR" altLang="en-US" smtClean="0"/>
               <a:pPr/>
-              <a:t>2021-07-16</a:t>
+              <a:t>2021-07-17</a:t>
             </a:fld>
             <a:endParaRPr lang="ko-KR" altLang="en-US"/>
           </a:p>
@@ -1434,7 +1434,7 @@
     </p:spTree>
     <p:extLst>
       <p:ext uri="{BB962C8B-B14F-4D97-AF65-F5344CB8AC3E}">
-        <p14:creationId xmlns="" xmlns:p14="http://schemas.microsoft.com/office/powerpoint/2010/main" val="655722256"/>
+        <p14:creationId xmlns:p14="http://schemas.microsoft.com/office/powerpoint/2010/main" xmlns="" val="655722256"/>
       </p:ext>
     </p:extLst>
   </p:cSld>
@@ -1613,7 +1613,7 @@
             <a:fld id="{3AC7D0C1-D5FE-48CB-AEB6-E9E3D1C2E343}" type="datetimeFigureOut">
               <a:rPr lang="ko-KR" altLang="en-US" smtClean="0"/>
               <a:pPr/>
-              <a:t>2021-07-16</a:t>
+              <a:t>2021-07-17</a:t>
             </a:fld>
             <a:endParaRPr lang="ko-KR" altLang="en-US"/>
           </a:p>
@@ -1665,7 +1665,7 @@
     </p:spTree>
     <p:extLst>
       <p:ext uri="{BB962C8B-B14F-4D97-AF65-F5344CB8AC3E}">
-        <p14:creationId xmlns="" xmlns:p14="http://schemas.microsoft.com/office/powerpoint/2010/main" val="459837990"/>
+        <p14:creationId xmlns:p14="http://schemas.microsoft.com/office/powerpoint/2010/main" xmlns="" val="459837990"/>
       </p:ext>
     </p:extLst>
   </p:cSld>
@@ -1979,7 +1979,7 @@
             <a:fld id="{3AC7D0C1-D5FE-48CB-AEB6-E9E3D1C2E343}" type="datetimeFigureOut">
               <a:rPr lang="ko-KR" altLang="en-US" smtClean="0"/>
               <a:pPr/>
-              <a:t>2021-07-16</a:t>
+              <a:t>2021-07-17</a:t>
             </a:fld>
             <a:endParaRPr lang="ko-KR" altLang="en-US"/>
           </a:p>
@@ -2031,7 +2031,7 @@
     </p:spTree>
     <p:extLst>
       <p:ext uri="{BB962C8B-B14F-4D97-AF65-F5344CB8AC3E}">
-        <p14:creationId xmlns="" xmlns:p14="http://schemas.microsoft.com/office/powerpoint/2010/main" val="2641639093"/>
+        <p14:creationId xmlns:p14="http://schemas.microsoft.com/office/powerpoint/2010/main" xmlns="" val="2641639093"/>
       </p:ext>
     </p:extLst>
   </p:cSld>
@@ -2098,7 +2098,7 @@
             <a:fld id="{3AC7D0C1-D5FE-48CB-AEB6-E9E3D1C2E343}" type="datetimeFigureOut">
               <a:rPr lang="ko-KR" altLang="en-US" smtClean="0"/>
               <a:pPr/>
-              <a:t>2021-07-16</a:t>
+              <a:t>2021-07-17</a:t>
             </a:fld>
             <a:endParaRPr lang="ko-KR" altLang="en-US"/>
           </a:p>
@@ -2150,7 +2150,7 @@
     </p:spTree>
     <p:extLst>
       <p:ext uri="{BB962C8B-B14F-4D97-AF65-F5344CB8AC3E}">
-        <p14:creationId xmlns="" xmlns:p14="http://schemas.microsoft.com/office/powerpoint/2010/main" val="217537536"/>
+        <p14:creationId xmlns:p14="http://schemas.microsoft.com/office/powerpoint/2010/main" xmlns="" val="217537536"/>
       </p:ext>
     </p:extLst>
   </p:cSld>
@@ -2195,7 +2195,7 @@
             <a:fld id="{3AC7D0C1-D5FE-48CB-AEB6-E9E3D1C2E343}" type="datetimeFigureOut">
               <a:rPr lang="ko-KR" altLang="en-US" smtClean="0"/>
               <a:pPr/>
-              <a:t>2021-07-16</a:t>
+              <a:t>2021-07-17</a:t>
             </a:fld>
             <a:endParaRPr lang="ko-KR" altLang="en-US"/>
           </a:p>
@@ -2247,7 +2247,7 @@
     </p:spTree>
     <p:extLst>
       <p:ext uri="{BB962C8B-B14F-4D97-AF65-F5344CB8AC3E}">
-        <p14:creationId xmlns="" xmlns:p14="http://schemas.microsoft.com/office/powerpoint/2010/main" val="952981668"/>
+        <p14:creationId xmlns:p14="http://schemas.microsoft.com/office/powerpoint/2010/main" xmlns="" val="952981668"/>
       </p:ext>
     </p:extLst>
   </p:cSld>
@@ -2472,7 +2472,7 @@
             <a:fld id="{3AC7D0C1-D5FE-48CB-AEB6-E9E3D1C2E343}" type="datetimeFigureOut">
               <a:rPr lang="ko-KR" altLang="en-US" smtClean="0"/>
               <a:pPr/>
-              <a:t>2021-07-16</a:t>
+              <a:t>2021-07-17</a:t>
             </a:fld>
             <a:endParaRPr lang="ko-KR" altLang="en-US"/>
           </a:p>
@@ -2524,7 +2524,7 @@
     </p:spTree>
     <p:extLst>
       <p:ext uri="{BB962C8B-B14F-4D97-AF65-F5344CB8AC3E}">
-        <p14:creationId xmlns="" xmlns:p14="http://schemas.microsoft.com/office/powerpoint/2010/main" val="2227975819"/>
+        <p14:creationId xmlns:p14="http://schemas.microsoft.com/office/powerpoint/2010/main" xmlns="" val="2227975819"/>
       </p:ext>
     </p:extLst>
   </p:cSld>
@@ -2726,7 +2726,7 @@
             <a:fld id="{3AC7D0C1-D5FE-48CB-AEB6-E9E3D1C2E343}" type="datetimeFigureOut">
               <a:rPr lang="ko-KR" altLang="en-US" smtClean="0"/>
               <a:pPr/>
-              <a:t>2021-07-16</a:t>
+              <a:t>2021-07-17</a:t>
             </a:fld>
             <a:endParaRPr lang="ko-KR" altLang="en-US"/>
           </a:p>
@@ -2778,7 +2778,7 @@
     </p:spTree>
     <p:extLst>
       <p:ext uri="{BB962C8B-B14F-4D97-AF65-F5344CB8AC3E}">
-        <p14:creationId xmlns="" xmlns:p14="http://schemas.microsoft.com/office/powerpoint/2010/main" val="3028947436"/>
+        <p14:creationId xmlns:p14="http://schemas.microsoft.com/office/powerpoint/2010/main" xmlns="" val="3028947436"/>
       </p:ext>
     </p:extLst>
   </p:cSld>
@@ -2939,7 +2939,7 @@
             <a:fld id="{3AC7D0C1-D5FE-48CB-AEB6-E9E3D1C2E343}" type="datetimeFigureOut">
               <a:rPr lang="ko-KR" altLang="en-US" smtClean="0"/>
               <a:pPr/>
-              <a:t>2021-07-16</a:t>
+              <a:t>2021-07-17</a:t>
             </a:fld>
             <a:endParaRPr lang="ko-KR" altLang="en-US"/>
           </a:p>
@@ -3029,7 +3029,7 @@
           <p:cNvPr id="7" name="TextBox 6">
             <a:extLst>
               <a:ext uri="{FF2B5EF4-FFF2-40B4-BE49-F238E27FC236}">
-                <a16:creationId xmlns="" xmlns:a16="http://schemas.microsoft.com/office/drawing/2014/main" id="{691811B0-B48E-441A-87FD-055ECECA2FB0}"/>
+                <a16:creationId xmlns:a16="http://schemas.microsoft.com/office/drawing/2014/main" xmlns="" id="{691811B0-B48E-441A-87FD-055ECECA2FB0}"/>
               </a:ext>
             </a:extLst>
           </p:cNvPr>
@@ -3074,7 +3074,7 @@
     </p:spTree>
     <p:extLst>
       <p:ext uri="{BB962C8B-B14F-4D97-AF65-F5344CB8AC3E}">
-        <p14:creationId xmlns="" xmlns:p14="http://schemas.microsoft.com/office/powerpoint/2010/main" val="3455661240"/>
+        <p14:creationId xmlns:p14="http://schemas.microsoft.com/office/powerpoint/2010/main" xmlns="" val="3455661240"/>
       </p:ext>
     </p:extLst>
   </p:cSld>
@@ -3404,7 +3404,7 @@
           <a:blip r:embed="rId2" cstate="print">
             <a:extLst>
               <a:ext uri="{28A0092B-C50C-407E-A947-70E740481C1C}">
-                <a14:useLocalDpi xmlns="" xmlns:a14="http://schemas.microsoft.com/office/drawing/2010/main" val="0"/>
+                <a14:useLocalDpi xmlns:a14="http://schemas.microsoft.com/office/drawing/2010/main" xmlns="" val="0"/>
               </a:ext>
             </a:extLst>
           </a:blip>
@@ -3676,7 +3676,7 @@
     </p:spTree>
     <p:extLst>
       <p:ext uri="{BB962C8B-B14F-4D97-AF65-F5344CB8AC3E}">
-        <p14:creationId xmlns="" xmlns:p14="http://schemas.microsoft.com/office/powerpoint/2010/main" val="2239986084"/>
+        <p14:creationId xmlns:p14="http://schemas.microsoft.com/office/powerpoint/2010/main" xmlns="" val="2239986084"/>
       </p:ext>
     </p:extLst>
   </p:cSld>
@@ -3986,7 +3986,7 @@
           <p:cNvPr id="19" name="TextBox 18">
             <a:extLst>
               <a:ext uri="{FF2B5EF4-FFF2-40B4-BE49-F238E27FC236}">
-                <a16:creationId xmlns:a16="http://schemas.microsoft.com/office/drawing/2014/main" xmlns="" id="{D521CD57-7D52-4085-AA67-6293BD236F8A}"/>
+                <a16:creationId xmlns="" xmlns:a16="http://schemas.microsoft.com/office/drawing/2014/main" id="{D521CD57-7D52-4085-AA67-6293BD236F8A}"/>
               </a:ext>
             </a:extLst>
           </p:cNvPr>
@@ -4112,17 +4112,7 @@
                 <a:latin typeface="210 옴니고딕 030" panose="02020603020101020101" pitchFamily="18" charset="-127"/>
                 <a:ea typeface="210 옴니고딕 030" panose="02020603020101020101" pitchFamily="18" charset="-127"/>
               </a:rPr>
-              <a:t> </a:t>
-            </a:r>
-            <a:r>
-              <a:rPr lang="ko-KR" altLang="en-US" b="1" dirty="0" smtClean="0">
-                <a:solidFill>
-                  <a:schemeClr val="tx2"/>
-                </a:solidFill>
-                <a:latin typeface="210 옴니고딕 030" panose="02020603020101020101" pitchFamily="18" charset="-127"/>
-                <a:ea typeface="210 옴니고딕 030" panose="02020603020101020101" pitchFamily="18" charset="-127"/>
-              </a:rPr>
-              <a:t>클</a:t>
+              <a:t> 클</a:t>
             </a:r>
             <a:endParaRPr lang="en-US" altLang="ko-KR" b="1" dirty="0" smtClean="0">
               <a:solidFill>
@@ -4375,7 +4365,7 @@
     </p:spTree>
     <p:extLst>
       <p:ext uri="{BB962C8B-B14F-4D97-AF65-F5344CB8AC3E}">
-        <p14:creationId xmlns="" xmlns:p14="http://schemas.microsoft.com/office/powerpoint/2010/main" val="3168494829"/>
+        <p14:creationId xmlns:p14="http://schemas.microsoft.com/office/powerpoint/2010/main" xmlns="" val="3168494829"/>
       </p:ext>
     </p:extLst>
   </p:cSld>
@@ -4682,7 +4672,7 @@
           <p:cNvPr id="26" name="TextBox 25">
             <a:extLst>
               <a:ext uri="{FF2B5EF4-FFF2-40B4-BE49-F238E27FC236}">
-                <a16:creationId xmlns:a16="http://schemas.microsoft.com/office/drawing/2014/main" xmlns="" id="{D521CD57-7D52-4085-AA67-6293BD236F8A}"/>
+                <a16:creationId xmlns="" xmlns:a16="http://schemas.microsoft.com/office/drawing/2014/main" id="{D521CD57-7D52-4085-AA67-6293BD236F8A}"/>
               </a:ext>
             </a:extLst>
           </p:cNvPr>
@@ -4780,7 +4770,7 @@
           <p:cNvPr id="28" name="TextBox 27">
             <a:extLst>
               <a:ext uri="{FF2B5EF4-FFF2-40B4-BE49-F238E27FC236}">
-                <a16:creationId xmlns:a16="http://schemas.microsoft.com/office/drawing/2014/main" xmlns="" id="{D521CD57-7D52-4085-AA67-6293BD236F8A}"/>
+                <a16:creationId xmlns="" xmlns:a16="http://schemas.microsoft.com/office/drawing/2014/main" id="{D521CD57-7D52-4085-AA67-6293BD236F8A}"/>
               </a:ext>
             </a:extLst>
           </p:cNvPr>
@@ -4868,7 +4858,7 @@
           <p:cNvPr id="30" name="TextBox 29">
             <a:extLst>
               <a:ext uri="{FF2B5EF4-FFF2-40B4-BE49-F238E27FC236}">
-                <a16:creationId xmlns:a16="http://schemas.microsoft.com/office/drawing/2014/main" xmlns="" id="{D521CD57-7D52-4085-AA67-6293BD236F8A}"/>
+                <a16:creationId xmlns="" xmlns:a16="http://schemas.microsoft.com/office/drawing/2014/main" id="{D521CD57-7D52-4085-AA67-6293BD236F8A}"/>
               </a:ext>
             </a:extLst>
           </p:cNvPr>
@@ -4976,7 +4966,7 @@
           <p:cNvPr id="32" name="TextBox 31">
             <a:extLst>
               <a:ext uri="{FF2B5EF4-FFF2-40B4-BE49-F238E27FC236}">
-                <a16:creationId xmlns:a16="http://schemas.microsoft.com/office/drawing/2014/main" xmlns="" id="{D521CD57-7D52-4085-AA67-6293BD236F8A}"/>
+                <a16:creationId xmlns="" xmlns:a16="http://schemas.microsoft.com/office/drawing/2014/main" id="{D521CD57-7D52-4085-AA67-6293BD236F8A}"/>
               </a:ext>
             </a:extLst>
           </p:cNvPr>
@@ -5074,7 +5064,7 @@
           <p:cNvPr id="35" name="TextBox 34">
             <a:extLst>
               <a:ext uri="{FF2B5EF4-FFF2-40B4-BE49-F238E27FC236}">
-                <a16:creationId xmlns:a16="http://schemas.microsoft.com/office/drawing/2014/main" xmlns="" id="{D521CD57-7D52-4085-AA67-6293BD236F8A}"/>
+                <a16:creationId xmlns="" xmlns:a16="http://schemas.microsoft.com/office/drawing/2014/main" id="{D521CD57-7D52-4085-AA67-6293BD236F8A}"/>
               </a:ext>
             </a:extLst>
           </p:cNvPr>
@@ -5182,7 +5172,7 @@
           <p:cNvPr id="37" name="TextBox 36">
             <a:extLst>
               <a:ext uri="{FF2B5EF4-FFF2-40B4-BE49-F238E27FC236}">
-                <a16:creationId xmlns:a16="http://schemas.microsoft.com/office/drawing/2014/main" xmlns="" id="{D521CD57-7D52-4085-AA67-6293BD236F8A}"/>
+                <a16:creationId xmlns="" xmlns:a16="http://schemas.microsoft.com/office/drawing/2014/main" id="{D521CD57-7D52-4085-AA67-6293BD236F8A}"/>
               </a:ext>
             </a:extLst>
           </p:cNvPr>
@@ -5290,7 +5280,7 @@
           <p:cNvPr id="40" name="TextBox 39">
             <a:extLst>
               <a:ext uri="{FF2B5EF4-FFF2-40B4-BE49-F238E27FC236}">
-                <a16:creationId xmlns:a16="http://schemas.microsoft.com/office/drawing/2014/main" xmlns="" id="{D521CD57-7D52-4085-AA67-6293BD236F8A}"/>
+                <a16:creationId xmlns="" xmlns:a16="http://schemas.microsoft.com/office/drawing/2014/main" id="{D521CD57-7D52-4085-AA67-6293BD236F8A}"/>
               </a:ext>
             </a:extLst>
           </p:cNvPr>
@@ -5612,7 +5602,7 @@
     </p:spTree>
     <p:extLst>
       <p:ext uri="{BB962C8B-B14F-4D97-AF65-F5344CB8AC3E}">
-        <p14:creationId xmlns="" xmlns:p14="http://schemas.microsoft.com/office/powerpoint/2010/main" val="3168494829"/>
+        <p14:creationId xmlns:p14="http://schemas.microsoft.com/office/powerpoint/2010/main" xmlns="" val="3168494829"/>
       </p:ext>
     </p:extLst>
   </p:cSld>
@@ -5659,7 +5649,7 @@
           <a:blip r:embed="rId2" cstate="print">
             <a:extLst>
               <a:ext uri="{28A0092B-C50C-407E-A947-70E740481C1C}">
-                <a14:useLocalDpi xmlns="" xmlns:a14="http://schemas.microsoft.com/office/drawing/2010/main" val="0"/>
+                <a14:useLocalDpi xmlns:a14="http://schemas.microsoft.com/office/drawing/2010/main" xmlns="" val="0"/>
               </a:ext>
             </a:extLst>
           </a:blip>
@@ -6146,7 +6136,7 @@
         <p:spPr>
           <a:xfrm>
             <a:off x="2273021" y="2688047"/>
-            <a:ext cx="3541394" cy="932563"/>
+            <a:ext cx="3541394" cy="652486"/>
           </a:xfrm>
           <a:prstGeom prst="rect">
             <a:avLst/>
@@ -6175,25 +6165,8 @@
                 <a:ea typeface="Noto Sans CJK KR Thin" panose="020B0200000000000000" pitchFamily="34" charset="-127"/>
                 <a:cs typeface="Arial" panose="020B0604020202020204" pitchFamily="34" charset="0"/>
               </a:rPr>
-              <a:t>부재리스트 세로선 검출</a:t>
-            </a:r>
-            <a:endParaRPr lang="en-US" altLang="ko-KR" sz="1400" spc="-150" dirty="0" smtClean="0">
-              <a:solidFill>
-                <a:schemeClr val="bg1"/>
-              </a:solidFill>
-              <a:latin typeface="Noto Sans CJK KR Thin" panose="020B0200000000000000" pitchFamily="34" charset="-127"/>
-              <a:ea typeface="Noto Sans CJK KR Thin" panose="020B0200000000000000" pitchFamily="34" charset="-127"/>
-              <a:cs typeface="Arial" panose="020B0604020202020204" pitchFamily="34" charset="0"/>
-            </a:endParaRPr>
-          </a:p>
-          <a:p>
-            <a:pPr marL="180975" indent="-180975">
-              <a:lnSpc>
-                <a:spcPct val="130000"/>
-              </a:lnSpc>
-              <a:buFont typeface="Wingdings" panose="05000000000000000000" pitchFamily="2" charset="2"/>
-              <a:buChar char="§"/>
-            </a:pPr>
+              <a:t>부재리스트 </a:t>
+            </a:r>
             <a:r>
               <a:rPr lang="ko-KR" altLang="en-US" sz="1400" spc="-150" dirty="0" smtClean="0">
                 <a:solidFill>
@@ -6203,7 +6176,7 @@
                 <a:ea typeface="Noto Sans CJK KR Thin" panose="020B0200000000000000" pitchFamily="34" charset="-127"/>
                 <a:cs typeface="Arial" panose="020B0604020202020204" pitchFamily="34" charset="0"/>
               </a:rPr>
-              <a:t>부재리스트 정보 군집화</a:t>
+              <a:t>정보 군집화</a:t>
             </a:r>
             <a:endParaRPr lang="en-US" altLang="ko-KR" sz="1400" spc="-150" dirty="0" smtClean="0">
               <a:solidFill>
@@ -6236,7 +6209,7 @@
     </p:spTree>
     <p:extLst>
       <p:ext uri="{BB962C8B-B14F-4D97-AF65-F5344CB8AC3E}">
-        <p14:creationId xmlns="" xmlns:p14="http://schemas.microsoft.com/office/powerpoint/2010/main" val="2240109207"/>
+        <p14:creationId xmlns:p14="http://schemas.microsoft.com/office/powerpoint/2010/main" xmlns="" val="2240109207"/>
       </p:ext>
     </p:extLst>
   </p:cSld>
@@ -6816,7 +6789,7 @@
     </p:spTree>
     <p:extLst>
       <p:ext uri="{BB962C8B-B14F-4D97-AF65-F5344CB8AC3E}">
-        <p14:creationId xmlns="" xmlns:p14="http://schemas.microsoft.com/office/powerpoint/2010/main" val="2689856561"/>
+        <p14:creationId xmlns:p14="http://schemas.microsoft.com/office/powerpoint/2010/main" xmlns="" val="2689856561"/>
       </p:ext>
     </p:extLst>
   </p:cSld>
@@ -7034,7 +7007,7 @@
           <p:cNvPr id="34" name="TextBox 33">
             <a:extLst>
               <a:ext uri="{FF2B5EF4-FFF2-40B4-BE49-F238E27FC236}">
-                <a16:creationId xmlns:a16="http://schemas.microsoft.com/office/drawing/2014/main" xmlns="" id="{D521CD57-7D52-4085-AA67-6293BD236F8A}"/>
+                <a16:creationId xmlns="" xmlns:a16="http://schemas.microsoft.com/office/drawing/2014/main" id="{D521CD57-7D52-4085-AA67-6293BD236F8A}"/>
               </a:ext>
             </a:extLst>
           </p:cNvPr>
@@ -7140,17 +7113,7 @@
                 <a:latin typeface="210 옴니고딕 030" panose="02020603020101020101" pitchFamily="18" charset="-127"/>
                 <a:ea typeface="210 옴니고딕 030" panose="02020603020101020101" pitchFamily="18" charset="-127"/>
               </a:rPr>
-              <a:t>의 바로 위에 존재하는 가로선을 </a:t>
-            </a:r>
-            <a:r>
-              <a:rPr lang="ko-KR" altLang="en-US" b="1" dirty="0" smtClean="0">
-                <a:solidFill>
-                  <a:schemeClr val="tx2"/>
-                </a:solidFill>
-                <a:latin typeface="210 옴니고딕 030" panose="02020603020101020101" pitchFamily="18" charset="-127"/>
-                <a:ea typeface="210 옴니고딕 030" panose="02020603020101020101" pitchFamily="18" charset="-127"/>
-              </a:rPr>
-              <a:t>탐색</a:t>
+              <a:t>의 바로 위에 존재하는 가로선을 탐색</a:t>
             </a:r>
             <a:endParaRPr lang="ko-KR" altLang="en-US" b="1" dirty="0">
               <a:solidFill>
@@ -7465,7 +7428,7 @@
     </p:spTree>
     <p:extLst>
       <p:ext uri="{BB962C8B-B14F-4D97-AF65-F5344CB8AC3E}">
-        <p14:creationId xmlns="" xmlns:p14="http://schemas.microsoft.com/office/powerpoint/2010/main" val="3168494829"/>
+        <p14:creationId xmlns:p14="http://schemas.microsoft.com/office/powerpoint/2010/main" xmlns="" val="3168494829"/>
       </p:ext>
     </p:extLst>
   </p:cSld>
@@ -7683,7 +7646,7 @@
           <p:cNvPr id="34" name="TextBox 33">
             <a:extLst>
               <a:ext uri="{FF2B5EF4-FFF2-40B4-BE49-F238E27FC236}">
-                <a16:creationId xmlns:a16="http://schemas.microsoft.com/office/drawing/2014/main" xmlns="" id="{D521CD57-7D52-4085-AA67-6293BD236F8A}"/>
+                <a16:creationId xmlns="" xmlns:a16="http://schemas.microsoft.com/office/drawing/2014/main" id="{D521CD57-7D52-4085-AA67-6293BD236F8A}"/>
               </a:ext>
             </a:extLst>
           </p:cNvPr>
@@ -7819,17 +7782,7 @@
                 <a:latin typeface="210 옴니고딕 030" panose="02020603020101020101" pitchFamily="18" charset="-127"/>
                 <a:ea typeface="210 옴니고딕 030" panose="02020603020101020101" pitchFamily="18" charset="-127"/>
               </a:rPr>
-              <a:t>제일 가까운 세로선을 </a:t>
-            </a:r>
-            <a:r>
-              <a:rPr lang="ko-KR" altLang="en-US" b="1" dirty="0" smtClean="0">
-                <a:solidFill>
-                  <a:schemeClr val="tx2"/>
-                </a:solidFill>
-                <a:latin typeface="210 옴니고딕 030" panose="02020603020101020101" pitchFamily="18" charset="-127"/>
-                <a:ea typeface="210 옴니고딕 030" panose="02020603020101020101" pitchFamily="18" charset="-127"/>
-              </a:rPr>
-              <a:t>탐색</a:t>
+              <a:t>제일 가까운 세로선을 탐색</a:t>
             </a:r>
             <a:endParaRPr lang="ko-KR" altLang="en-US" b="1" dirty="0">
               <a:solidFill>
@@ -8288,7 +8241,7 @@
     </p:spTree>
     <p:extLst>
       <p:ext uri="{BB962C8B-B14F-4D97-AF65-F5344CB8AC3E}">
-        <p14:creationId xmlns="" xmlns:p14="http://schemas.microsoft.com/office/powerpoint/2010/main" val="3168494829"/>
+        <p14:creationId xmlns:p14="http://schemas.microsoft.com/office/powerpoint/2010/main" xmlns="" val="3168494829"/>
       </p:ext>
     </p:extLst>
   </p:cSld>
@@ -8506,7 +8459,7 @@
           <p:cNvPr id="34" name="TextBox 33">
             <a:extLst>
               <a:ext uri="{FF2B5EF4-FFF2-40B4-BE49-F238E27FC236}">
-                <a16:creationId xmlns:a16="http://schemas.microsoft.com/office/drawing/2014/main" xmlns="" id="{D521CD57-7D52-4085-AA67-6293BD236F8A}"/>
+                <a16:creationId xmlns="" xmlns:a16="http://schemas.microsoft.com/office/drawing/2014/main" id="{D521CD57-7D52-4085-AA67-6293BD236F8A}"/>
               </a:ext>
             </a:extLst>
           </p:cNvPr>
@@ -9071,7 +9024,7 @@
     </p:spTree>
     <p:extLst>
       <p:ext uri="{BB962C8B-B14F-4D97-AF65-F5344CB8AC3E}">
-        <p14:creationId xmlns="" xmlns:p14="http://schemas.microsoft.com/office/powerpoint/2010/main" val="3168494829"/>
+        <p14:creationId xmlns:p14="http://schemas.microsoft.com/office/powerpoint/2010/main" xmlns="" val="3168494829"/>
       </p:ext>
     </p:extLst>
   </p:cSld>
@@ -9289,7 +9242,7 @@
           <p:cNvPr id="34" name="TextBox 33">
             <a:extLst>
               <a:ext uri="{FF2B5EF4-FFF2-40B4-BE49-F238E27FC236}">
-                <a16:creationId xmlns:a16="http://schemas.microsoft.com/office/drawing/2014/main" xmlns="" id="{D521CD57-7D52-4085-AA67-6293BD236F8A}"/>
+                <a16:creationId xmlns="" xmlns:a16="http://schemas.microsoft.com/office/drawing/2014/main" id="{D521CD57-7D52-4085-AA67-6293BD236F8A}"/>
               </a:ext>
             </a:extLst>
           </p:cNvPr>
@@ -9325,57 +9278,37 @@
                 <a:latin typeface="210 옴니고딕 030" panose="02020603020101020101" pitchFamily="18" charset="-127"/>
                 <a:ea typeface="210 옴니고딕 030" panose="02020603020101020101" pitchFamily="18" charset="-127"/>
               </a:rPr>
-              <a:t>   </a:t>
-            </a:r>
-            <a:r>
-              <a:rPr lang="en-US" altLang="ko-KR" b="1" dirty="0" smtClean="0">
+              <a:t>   4. </a:t>
+            </a:r>
+            <a:r>
+              <a:rPr lang="ko-KR" altLang="en-US" b="1" dirty="0" smtClean="0">
                 <a:solidFill>
                   <a:schemeClr val="tx2"/>
                 </a:solidFill>
                 <a:latin typeface="210 옴니고딕 030" panose="02020603020101020101" pitchFamily="18" charset="-127"/>
                 <a:ea typeface="210 옴니고딕 030" panose="02020603020101020101" pitchFamily="18" charset="-127"/>
               </a:rPr>
-              <a:t>4. </a:t>
-            </a:r>
-            <a:r>
-              <a:rPr lang="ko-KR" altLang="en-US" b="1" dirty="0" smtClean="0">
+              <a:t>각 부호마다 해당되는 </a:t>
+            </a:r>
+            <a:r>
+              <a:rPr lang="en-US" altLang="ko-KR" b="1" dirty="0" smtClean="0">
                 <a:solidFill>
                   <a:schemeClr val="tx2"/>
                 </a:solidFill>
                 <a:latin typeface="210 옴니고딕 030" panose="02020603020101020101" pitchFamily="18" charset="-127"/>
                 <a:ea typeface="210 옴니고딕 030" panose="02020603020101020101" pitchFamily="18" charset="-127"/>
               </a:rPr>
-              <a:t>각 부호마다 해당되는 </a:t>
-            </a:r>
-            <a:r>
-              <a:rPr lang="en-US" altLang="ko-KR" b="1" dirty="0" smtClean="0">
+              <a:t>Value - Entity</a:t>
+            </a:r>
+            <a:r>
+              <a:rPr lang="ko-KR" altLang="en-US" b="1" dirty="0" smtClean="0">
                 <a:solidFill>
                   <a:schemeClr val="tx2"/>
                 </a:solidFill>
                 <a:latin typeface="210 옴니고딕 030" panose="02020603020101020101" pitchFamily="18" charset="-127"/>
                 <a:ea typeface="210 옴니고딕 030" panose="02020603020101020101" pitchFamily="18" charset="-127"/>
               </a:rPr>
-              <a:t>Value - Entity</a:t>
-            </a:r>
-            <a:r>
-              <a:rPr lang="ko-KR" altLang="en-US" b="1" dirty="0" smtClean="0">
-                <a:solidFill>
-                  <a:schemeClr val="tx2"/>
-                </a:solidFill>
-                <a:latin typeface="210 옴니고딕 030" panose="02020603020101020101" pitchFamily="18" charset="-127"/>
-                <a:ea typeface="210 옴니고딕 030" panose="02020603020101020101" pitchFamily="18" charset="-127"/>
-              </a:rPr>
-              <a:t>들을 </a:t>
-            </a:r>
-            <a:r>
-              <a:rPr lang="ko-KR" altLang="en-US" b="1" dirty="0" smtClean="0">
-                <a:solidFill>
-                  <a:schemeClr val="tx2"/>
-                </a:solidFill>
-                <a:latin typeface="210 옴니고딕 030" panose="02020603020101020101" pitchFamily="18" charset="-127"/>
-                <a:ea typeface="210 옴니고딕 030" panose="02020603020101020101" pitchFamily="18" charset="-127"/>
-              </a:rPr>
-              <a:t>군집화</a:t>
+              <a:t>들을 군집화</a:t>
             </a:r>
             <a:endParaRPr lang="ko-KR" altLang="en-US" b="1" dirty="0">
               <a:solidFill>
@@ -9462,7 +9395,7 @@
     </p:spTree>
     <p:extLst>
       <p:ext uri="{BB962C8B-B14F-4D97-AF65-F5344CB8AC3E}">
-        <p14:creationId xmlns="" xmlns:p14="http://schemas.microsoft.com/office/powerpoint/2010/main" val="3168494829"/>
+        <p14:creationId xmlns:p14="http://schemas.microsoft.com/office/powerpoint/2010/main" xmlns="" val="3168494829"/>
       </p:ext>
     </p:extLst>
   </p:cSld>
@@ -9654,7 +9587,7 @@
           <p:cNvPr id="34" name="TextBox 33">
             <a:extLst>
               <a:ext uri="{FF2B5EF4-FFF2-40B4-BE49-F238E27FC236}">
-                <a16:creationId xmlns:a16="http://schemas.microsoft.com/office/drawing/2014/main" xmlns="" id="{D521CD57-7D52-4085-AA67-6293BD236F8A}"/>
+                <a16:creationId xmlns="" xmlns:a16="http://schemas.microsoft.com/office/drawing/2014/main" id="{D521CD57-7D52-4085-AA67-6293BD236F8A}"/>
               </a:ext>
             </a:extLst>
           </p:cNvPr>
@@ -9690,17 +9623,7 @@
                 <a:latin typeface="210 옴니고딕 030" panose="02020603020101020101" pitchFamily="18" charset="-127"/>
                 <a:ea typeface="210 옴니고딕 030" panose="02020603020101020101" pitchFamily="18" charset="-127"/>
               </a:rPr>
-              <a:t>   </a:t>
-            </a:r>
-            <a:r>
-              <a:rPr lang="en-US" altLang="ko-KR" b="1" dirty="0" smtClean="0">
-                <a:solidFill>
-                  <a:schemeClr val="tx2"/>
-                </a:solidFill>
-                <a:latin typeface="210 옴니고딕 030" panose="02020603020101020101" pitchFamily="18" charset="-127"/>
-                <a:ea typeface="210 옴니고딕 030" panose="02020603020101020101" pitchFamily="18" charset="-127"/>
-              </a:rPr>
-              <a:t>5. </a:t>
+              <a:t>   5. </a:t>
             </a:r>
             <a:r>
               <a:rPr lang="ko-KR" altLang="en-US" b="1" dirty="0" smtClean="0">
@@ -10052,7 +9975,7 @@
     </p:spTree>
     <p:extLst>
       <p:ext uri="{BB962C8B-B14F-4D97-AF65-F5344CB8AC3E}">
-        <p14:creationId xmlns="" xmlns:p14="http://schemas.microsoft.com/office/powerpoint/2010/main" val="3168494829"/>
+        <p14:creationId xmlns:p14="http://schemas.microsoft.com/office/powerpoint/2010/main" xmlns="" val="3168494829"/>
       </p:ext>
     </p:extLst>
   </p:cSld>
@@ -10648,7 +10571,7 @@
     </p:spTree>
     <p:extLst>
       <p:ext uri="{BB962C8B-B14F-4D97-AF65-F5344CB8AC3E}">
-        <p14:creationId xmlns="" xmlns:p14="http://schemas.microsoft.com/office/powerpoint/2010/main" val="2689856561"/>
+        <p14:creationId xmlns:p14="http://schemas.microsoft.com/office/powerpoint/2010/main" xmlns="" val="2689856561"/>
       </p:ext>
     </p:extLst>
   </p:cSld>
@@ -10886,7 +10809,7 @@
   <a:extraClrSchemeLst/>
   <a:extLst>
     <a:ext uri="{05A4C25C-085E-4340-85A3-A5531E510DB2}">
-      <thm15:themeFamily xmlns="" xmlns:thm15="http://schemas.microsoft.com/office/thememl/2012/main" name="Office Theme" id="{62F939B6-93AF-4DB8-9C6B-D6C7DFDC589F}" vid="{4A3C46E8-61CC-4603-A589-7422A47A8E4A}"/>
+      <thm15:themeFamily xmlns:thm15="http://schemas.microsoft.com/office/thememl/2012/main" xmlns="" name="Office Theme" id="{62F939B6-93AF-4DB8-9C6B-D6C7DFDC589F}" vid="{4A3C46E8-61CC-4603-A589-7422A47A8E4A}"/>
     </a:ext>
   </a:extLst>
 </a:theme>
